--- a/Ford Order System Preasentation .pptx
+++ b/Ford Order System Preasentation .pptx
@@ -83,9 +83,9 @@
         </a:solidFill>
         <a:effectLst/>
         <a:uFillTx/>
-        <a:latin typeface="+mn-lt"/>
-        <a:ea typeface="+mn-ea"/>
-        <a:cs typeface="+mn-cs"/>
+        <a:latin typeface="+mj-lt"/>
+        <a:ea typeface="+mj-ea"/>
+        <a:cs typeface="+mj-cs"/>
         <a:sym typeface="Helvetica Neue"/>
       </a:defRPr>
     </a:lvl1pPr>
@@ -113,9 +113,9 @@
         </a:solidFill>
         <a:effectLst/>
         <a:uFillTx/>
-        <a:latin typeface="+mn-lt"/>
-        <a:ea typeface="+mn-ea"/>
-        <a:cs typeface="+mn-cs"/>
+        <a:latin typeface="+mj-lt"/>
+        <a:ea typeface="+mj-ea"/>
+        <a:cs typeface="+mj-cs"/>
         <a:sym typeface="Helvetica Neue"/>
       </a:defRPr>
     </a:lvl2pPr>
@@ -143,9 +143,9 @@
         </a:solidFill>
         <a:effectLst/>
         <a:uFillTx/>
-        <a:latin typeface="+mn-lt"/>
-        <a:ea typeface="+mn-ea"/>
-        <a:cs typeface="+mn-cs"/>
+        <a:latin typeface="+mj-lt"/>
+        <a:ea typeface="+mj-ea"/>
+        <a:cs typeface="+mj-cs"/>
         <a:sym typeface="Helvetica Neue"/>
       </a:defRPr>
     </a:lvl3pPr>
@@ -173,9 +173,9 @@
         </a:solidFill>
         <a:effectLst/>
         <a:uFillTx/>
-        <a:latin typeface="+mn-lt"/>
-        <a:ea typeface="+mn-ea"/>
-        <a:cs typeface="+mn-cs"/>
+        <a:latin typeface="+mj-lt"/>
+        <a:ea typeface="+mj-ea"/>
+        <a:cs typeface="+mj-cs"/>
         <a:sym typeface="Helvetica Neue"/>
       </a:defRPr>
     </a:lvl4pPr>
@@ -203,9 +203,9 @@
         </a:solidFill>
         <a:effectLst/>
         <a:uFillTx/>
-        <a:latin typeface="+mn-lt"/>
-        <a:ea typeface="+mn-ea"/>
-        <a:cs typeface="+mn-cs"/>
+        <a:latin typeface="+mj-lt"/>
+        <a:ea typeface="+mj-ea"/>
+        <a:cs typeface="+mj-cs"/>
         <a:sym typeface="Helvetica Neue"/>
       </a:defRPr>
     </a:lvl5pPr>
@@ -233,9 +233,9 @@
         </a:solidFill>
         <a:effectLst/>
         <a:uFillTx/>
-        <a:latin typeface="+mn-lt"/>
-        <a:ea typeface="+mn-ea"/>
-        <a:cs typeface="+mn-cs"/>
+        <a:latin typeface="+mj-lt"/>
+        <a:ea typeface="+mj-ea"/>
+        <a:cs typeface="+mj-cs"/>
         <a:sym typeface="Helvetica Neue"/>
       </a:defRPr>
     </a:lvl6pPr>
@@ -263,9 +263,9 @@
         </a:solidFill>
         <a:effectLst/>
         <a:uFillTx/>
-        <a:latin typeface="+mn-lt"/>
-        <a:ea typeface="+mn-ea"/>
-        <a:cs typeface="+mn-cs"/>
+        <a:latin typeface="+mj-lt"/>
+        <a:ea typeface="+mj-ea"/>
+        <a:cs typeface="+mj-cs"/>
         <a:sym typeface="Helvetica Neue"/>
       </a:defRPr>
     </a:lvl7pPr>
@@ -293,9 +293,9 @@
         </a:solidFill>
         <a:effectLst/>
         <a:uFillTx/>
-        <a:latin typeface="+mn-lt"/>
-        <a:ea typeface="+mn-ea"/>
-        <a:cs typeface="+mn-cs"/>
+        <a:latin typeface="+mj-lt"/>
+        <a:ea typeface="+mj-ea"/>
+        <a:cs typeface="+mj-cs"/>
         <a:sym typeface="Helvetica Neue"/>
       </a:defRPr>
     </a:lvl8pPr>
@@ -323,9 +323,9 @@
         </a:solidFill>
         <a:effectLst/>
         <a:uFillTx/>
-        <a:latin typeface="+mn-lt"/>
-        <a:ea typeface="+mn-ea"/>
-        <a:cs typeface="+mn-cs"/>
+        <a:latin typeface="+mj-lt"/>
+        <a:ea typeface="+mj-ea"/>
+        <a:cs typeface="+mj-cs"/>
         <a:sym typeface="Helvetica Neue"/>
       </a:defRPr>
     </a:lvl9pPr>
@@ -413,9 +413,9 @@
         <a:spcPct val="117999"/>
       </a:lnSpc>
       <a:defRPr sz="2200">
-        <a:latin typeface="+mn-lt"/>
-        <a:ea typeface="+mn-ea"/>
-        <a:cs typeface="+mn-cs"/>
+        <a:latin typeface="+mj-lt"/>
+        <a:ea typeface="+mj-ea"/>
+        <a:cs typeface="+mj-cs"/>
         <a:sym typeface="Helvetica Neue"/>
       </a:defRPr>
     </a:lvl1pPr>
@@ -424,9 +424,9 @@
         <a:spcPct val="117999"/>
       </a:lnSpc>
       <a:defRPr sz="2200">
-        <a:latin typeface="+mn-lt"/>
-        <a:ea typeface="+mn-ea"/>
-        <a:cs typeface="+mn-cs"/>
+        <a:latin typeface="+mj-lt"/>
+        <a:ea typeface="+mj-ea"/>
+        <a:cs typeface="+mj-cs"/>
         <a:sym typeface="Helvetica Neue"/>
       </a:defRPr>
     </a:lvl2pPr>
@@ -435,9 +435,9 @@
         <a:spcPct val="117999"/>
       </a:lnSpc>
       <a:defRPr sz="2200">
-        <a:latin typeface="+mn-lt"/>
-        <a:ea typeface="+mn-ea"/>
-        <a:cs typeface="+mn-cs"/>
+        <a:latin typeface="+mj-lt"/>
+        <a:ea typeface="+mj-ea"/>
+        <a:cs typeface="+mj-cs"/>
         <a:sym typeface="Helvetica Neue"/>
       </a:defRPr>
     </a:lvl3pPr>
@@ -446,9 +446,9 @@
         <a:spcPct val="117999"/>
       </a:lnSpc>
       <a:defRPr sz="2200">
-        <a:latin typeface="+mn-lt"/>
-        <a:ea typeface="+mn-ea"/>
-        <a:cs typeface="+mn-cs"/>
+        <a:latin typeface="+mj-lt"/>
+        <a:ea typeface="+mj-ea"/>
+        <a:cs typeface="+mj-cs"/>
         <a:sym typeface="Helvetica Neue"/>
       </a:defRPr>
     </a:lvl4pPr>
@@ -457,9 +457,9 @@
         <a:spcPct val="117999"/>
       </a:lnSpc>
       <a:defRPr sz="2200">
-        <a:latin typeface="+mn-lt"/>
-        <a:ea typeface="+mn-ea"/>
-        <a:cs typeface="+mn-cs"/>
+        <a:latin typeface="+mj-lt"/>
+        <a:ea typeface="+mj-ea"/>
+        <a:cs typeface="+mj-cs"/>
         <a:sym typeface="Helvetica Neue"/>
       </a:defRPr>
     </a:lvl5pPr>
@@ -468,9 +468,9 @@
         <a:spcPct val="117999"/>
       </a:lnSpc>
       <a:defRPr sz="2200">
-        <a:latin typeface="+mn-lt"/>
-        <a:ea typeface="+mn-ea"/>
-        <a:cs typeface="+mn-cs"/>
+        <a:latin typeface="+mj-lt"/>
+        <a:ea typeface="+mj-ea"/>
+        <a:cs typeface="+mj-cs"/>
         <a:sym typeface="Helvetica Neue"/>
       </a:defRPr>
     </a:lvl6pPr>
@@ -479,9 +479,9 @@
         <a:spcPct val="117999"/>
       </a:lnSpc>
       <a:defRPr sz="2200">
-        <a:latin typeface="+mn-lt"/>
-        <a:ea typeface="+mn-ea"/>
-        <a:cs typeface="+mn-cs"/>
+        <a:latin typeface="+mj-lt"/>
+        <a:ea typeface="+mj-ea"/>
+        <a:cs typeface="+mj-cs"/>
         <a:sym typeface="Helvetica Neue"/>
       </a:defRPr>
     </a:lvl7pPr>
@@ -490,9 +490,9 @@
         <a:spcPct val="117999"/>
       </a:lnSpc>
       <a:defRPr sz="2200">
-        <a:latin typeface="+mn-lt"/>
-        <a:ea typeface="+mn-ea"/>
-        <a:cs typeface="+mn-cs"/>
+        <a:latin typeface="+mj-lt"/>
+        <a:ea typeface="+mj-ea"/>
+        <a:cs typeface="+mj-cs"/>
         <a:sym typeface="Helvetica Neue"/>
       </a:defRPr>
     </a:lvl8pPr>
@@ -501,9 +501,9 @@
         <a:spcPct val="117999"/>
       </a:lnSpc>
       <a:defRPr sz="2200">
-        <a:latin typeface="+mn-lt"/>
-        <a:ea typeface="+mn-ea"/>
-        <a:cs typeface="+mn-cs"/>
+        <a:latin typeface="+mj-lt"/>
+        <a:ea typeface="+mj-ea"/>
+        <a:cs typeface="+mj-cs"/>
         <a:sym typeface="Helvetica Neue"/>
       </a:defRPr>
     </a:lvl9pPr>
@@ -539,7 +539,7 @@
         <p:spPr>
           <a:xfrm>
             <a:off x="1219200" y="11986162"/>
-            <a:ext cx="21945599" cy="605793"/>
+            <a:ext cx="21945599" cy="605795"/>
           </a:xfrm>
           <a:prstGeom prst="rect">
             <a:avLst/>
@@ -564,7 +564,7 @@
                 <a:sym typeface="Graphik Medium"/>
               </a:defRPr>
             </a:lvl1pPr>
-            <a:lvl2pPr marL="918439" indent="-372339" algn="ctr" defTabSz="825500">
+            <a:lvl2pPr marL="918438" indent="-372338" algn="ctr" defTabSz="825500">
               <a:lnSpc>
                 <a:spcPct val="100000"/>
               </a:lnSpc>
@@ -578,7 +578,7 @@
                 <a:sym typeface="Graphik Medium"/>
               </a:defRPr>
             </a:lvl2pPr>
-            <a:lvl3pPr marL="1464539" indent="-372339" algn="ctr" defTabSz="825500">
+            <a:lvl3pPr marL="1464538" indent="-372338" algn="ctr" defTabSz="825500">
               <a:lnSpc>
                 <a:spcPct val="100000"/>
               </a:lnSpc>
@@ -696,7 +696,7 @@
         <p:spPr>
           <a:xfrm>
             <a:off x="1219200" y="7567579"/>
-            <a:ext cx="21945600" cy="2250595"/>
+            <a:ext cx="21945600" cy="2250597"/>
           </a:xfrm>
           <a:prstGeom prst="rect">
             <a:avLst/>
@@ -974,7 +974,7 @@
         <p:spPr>
           <a:xfrm>
             <a:off x="1219200" y="8462239"/>
-            <a:ext cx="21945602" cy="832615"/>
+            <a:ext cx="21945602" cy="832617"/>
           </a:xfrm>
           <a:prstGeom prst="rect">
             <a:avLst/>
@@ -1098,8 +1098,8 @@
         </p:nvSpPr>
         <p:spPr>
           <a:xfrm>
-            <a:off x="1219200" y="4214482"/>
-            <a:ext cx="21945600" cy="4269711"/>
+            <a:off x="1219200" y="4214481"/>
+            <a:ext cx="21945600" cy="4269713"/>
           </a:xfrm>
           <a:prstGeom prst="rect">
             <a:avLst/>
@@ -1109,7 +1109,7 @@
           <a:bodyPr anchor="b"/>
           <a:lstStyle/>
           <a:p>
-            <a:pPr lvl="4" marL="0" indent="1166774" algn="ctr" defTabSz="565708">
+            <a:pPr lvl="4" marL="0" indent="2995573" algn="ctr" defTabSz="565708">
               <a:lnSpc>
                 <a:spcPct val="80000"/>
               </a:lnSpc>
@@ -1118,7 +1118,7 @@
               </a:spcBef>
               <a:buSzTx/>
               <a:buNone/>
-              <a:defRPr sz="5162">
+              <a:defRPr sz="5100">
                 <a:latin typeface="Canela Bold"/>
                 <a:ea typeface="Canela Bold"/>
                 <a:cs typeface="Canela Bold"/>
@@ -1191,7 +1191,7 @@
         <p:spPr>
           <a:xfrm>
             <a:off x="1219200" y="11100051"/>
-            <a:ext cx="21945602" cy="832615"/>
+            <a:ext cx="21945602" cy="832617"/>
           </a:xfrm>
           <a:prstGeom prst="rect">
             <a:avLst/>
@@ -1326,7 +1326,7 @@
           <a:bodyPr anchor="ctr"/>
           <a:lstStyle/>
           <a:p>
-            <a:pPr lvl="4" marL="0" indent="2615183" algn="ctr" defTabSz="1511808">
+            <a:pPr lvl="4" marL="0" indent="4443983" algn="ctr" defTabSz="1511808">
               <a:lnSpc>
                 <a:spcPct val="80000"/>
               </a:lnSpc>
@@ -1412,7 +1412,7 @@
         <p:spPr>
           <a:xfrm>
             <a:off x="15744825" y="5581751"/>
-            <a:ext cx="7365408" cy="8280403"/>
+            <a:ext cx="7365408" cy="8280405"/>
           </a:xfrm>
           <a:prstGeom prst="rect">
             <a:avLst/>
@@ -1991,7 +1991,7 @@
         <p:spPr>
           <a:xfrm>
             <a:off x="1215494" y="4585101"/>
-            <a:ext cx="9757340" cy="2540003"/>
+            <a:ext cx="9757341" cy="2540005"/>
           </a:xfrm>
           <a:prstGeom prst="rect">
             <a:avLst/>
@@ -2299,7 +2299,7 @@
         <p:spPr>
           <a:xfrm>
             <a:off x="1219200" y="2384648"/>
-            <a:ext cx="21945602" cy="832615"/>
+            <a:ext cx="21945602" cy="832617"/>
           </a:xfrm>
           <a:prstGeom prst="rect">
             <a:avLst/>
@@ -2755,8 +2755,8 @@
         </p:nvSpPr>
         <p:spPr>
           <a:xfrm>
-            <a:off x="1219200" y="3242268"/>
-            <a:ext cx="21945600" cy="6604004"/>
+            <a:off x="1219200" y="3242267"/>
+            <a:ext cx="21945600" cy="6604005"/>
           </a:xfrm>
           <a:prstGeom prst="rect">
             <a:avLst/>
@@ -2864,7 +2864,7 @@
         <p:spPr>
           <a:xfrm>
             <a:off x="1219200" y="2384648"/>
-            <a:ext cx="21945602" cy="832615"/>
+            <a:ext cx="21945602" cy="832617"/>
           </a:xfrm>
           <a:prstGeom prst="rect">
             <a:avLst/>
@@ -3182,8 +3182,8 @@
         </p:nvSpPr>
         <p:spPr>
           <a:xfrm>
-            <a:off x="1219200" y="2387113"/>
-            <a:ext cx="21945602" cy="832615"/>
+            <a:off x="1219200" y="2387112"/>
+            <a:ext cx="21945602" cy="832618"/>
           </a:xfrm>
           <a:prstGeom prst="rect">
             <a:avLst/>
@@ -4184,7 +4184,7 @@
         <p:spPr>
           <a:xfrm>
             <a:off x="1219199" y="11986162"/>
-            <a:ext cx="21945601" cy="605793"/>
+            <a:ext cx="21945602" cy="605795"/>
           </a:xfrm>
           <a:prstGeom prst="rect">
             <a:avLst/>
@@ -4242,7 +4242,7 @@
         <p:spPr>
           <a:xfrm>
             <a:off x="1219200" y="7567579"/>
-            <a:ext cx="21945600" cy="2250595"/>
+            <a:ext cx="21945600" cy="2250597"/>
           </a:xfrm>
           <a:prstGeom prst="rect">
             <a:avLst/>
@@ -4399,8 +4399,8 @@
         </p:nvSpPr>
         <p:spPr>
           <a:xfrm>
-            <a:off x="1219199" y="4013200"/>
-            <a:ext cx="21948578" cy="8483600"/>
+            <a:off x="1219198" y="4013200"/>
+            <a:ext cx="21948580" cy="8483600"/>
           </a:xfrm>
           <a:prstGeom prst="rect">
             <a:avLst/>
@@ -4523,7 +4523,7 @@
         <p:spPr>
           <a:xfrm>
             <a:off x="1219200" y="2384648"/>
-            <a:ext cx="21945602" cy="832615"/>
+            <a:ext cx="21945602" cy="832617"/>
           </a:xfrm>
           <a:prstGeom prst="rect">
             <a:avLst/>
@@ -4576,7 +4576,7 @@
         <p:spPr>
           <a:xfrm>
             <a:off x="5458438" y="3501680"/>
-            <a:ext cx="13467124" cy="9578881"/>
+            <a:ext cx="13467124" cy="9578883"/>
           </a:xfrm>
           <a:prstGeom prst="rect">
             <a:avLst/>
@@ -4651,7 +4651,7 @@
         <p:spPr>
           <a:xfrm>
             <a:off x="1219200" y="2384648"/>
-            <a:ext cx="21945602" cy="832615"/>
+            <a:ext cx="21945602" cy="832617"/>
           </a:xfrm>
           <a:prstGeom prst="rect">
             <a:avLst/>
@@ -4809,7 +4809,11 @@
         </p:spPr>
         <p:txBody>
           <a:bodyPr/>
-          <a:lstStyle/>
+          <a:lstStyle>
+            <a:lvl1pPr>
+              <a:defRPr spc="-100"/>
+            </a:lvl1pPr>
+          </a:lstStyle>
           <a:p>
             <a:pPr/>
             <a:r>
@@ -4823,22 +4827,38 @@
           <p:cNvPr id="202" name="Slide Subtitle"/>
           <p:cNvSpPr txBox="1"/>
           <p:nvPr>
-            <p:ph type="body" idx="21"/>
+            <p:ph type="body" sz="quarter" idx="1"/>
           </p:nvPr>
         </p:nvSpPr>
         <p:spPr>
+          <a:xfrm>
+            <a:off x="1219200" y="2384648"/>
+            <a:ext cx="21945602" cy="832617"/>
+          </a:xfrm>
           <a:prstGeom prst="rect">
             <a:avLst/>
           </a:prstGeom>
-          <a:extLst>
-            <a:ext uri="{C572A759-6A51-4108-AA02-DFA0A04FC94B}">
-              <ma14:wrappingTextBoxFlag xmlns:ma14="http://schemas.microsoft.com/office/mac/drawingml/2011/main" val="1"/>
-            </a:ext>
-          </a:extLst>
         </p:spPr>
         <p:txBody>
           <a:bodyPr/>
-          <a:lstStyle/>
+          <a:lstStyle>
+            <a:lvl1pPr marL="0" indent="0" algn="ctr" defTabSz="825500">
+              <a:lnSpc>
+                <a:spcPct val="100000"/>
+              </a:lnSpc>
+              <a:spcBef>
+                <a:spcPts val="0"/>
+              </a:spcBef>
+              <a:buSzTx/>
+              <a:buNone/>
+              <a:defRPr spc="-100">
+                <a:latin typeface="Graphik Semibold"/>
+                <a:ea typeface="Graphik Semibold"/>
+                <a:cs typeface="Graphik Semibold"/>
+                <a:sym typeface="Graphik Semibold"/>
+              </a:defRPr>
+            </a:lvl1pPr>
+          </a:lstStyle>
           <a:p>
             <a:pPr/>
             <a:r>
@@ -4854,8 +4874,8 @@
           <p:nvPr/>
         </p:nvGraphicFramePr>
         <p:xfrm>
-          <a:off x="5151738" y="2497204"/>
-          <a:ext cx="14086874" cy="9954249"/>
+          <a:off x="5151737" y="2497202"/>
+          <a:ext cx="14080523" cy="9947898"/>
         </p:xfrm>
         <a:graphic xmlns:a="http://schemas.openxmlformats.org/drawingml/2006/main">
           <a:graphicData uri="http://schemas.openxmlformats.org/drawingml/2006/table">
@@ -4881,7 +4901,10 @@
                         <a:spcBef>
                           <a:spcPts val="800"/>
                         </a:spcBef>
-                        <a:defRPr sz="2500">
+                        <a:defRPr sz="1800"/>
+                      </a:pPr>
+                      <a:r>
+                        <a:rPr sz="2500">
                           <a:uFill>
                             <a:solidFill>
                               <a:srgbClr val="000000"/>
@@ -4891,9 +4914,7 @@
                           <a:ea typeface="Calibri"/>
                           <a:cs typeface="Calibri"/>
                           <a:sym typeface="Calibri"/>
-                        </a:defRPr>
-                      </a:pPr>
-                      <a:r>
+                        </a:rPr>
                         <a:t>System Requirements</a:t>
                       </a:r>
                     </a:p>
@@ -4934,7 +4955,10 @@
                     <a:lstStyle/>
                     <a:p>
                       <a:pPr algn="l" defTabSz="457200">
-                        <a:defRPr sz="2500">
+                        <a:defRPr sz="1800"/>
+                      </a:pPr>
+                      <a:r>
+                        <a:rPr sz="2500">
                           <a:uFill>
                             <a:solidFill>
                               <a:srgbClr val="000000"/>
@@ -4944,9 +4968,7 @@
                           <a:ea typeface="Calibri"/>
                           <a:cs typeface="Calibri"/>
                           <a:sym typeface="Calibri"/>
-                        </a:defRPr>
-                      </a:pPr>
-                      <a:r>
+                        </a:rPr>
                         <a:t>How were going to test it?</a:t>
                       </a:r>
                     </a:p>
@@ -4987,7 +5009,10 @@
                     <a:lstStyle/>
                     <a:p>
                       <a:pPr algn="l" defTabSz="457200">
-                        <a:defRPr sz="2500">
+                        <a:defRPr sz="1800"/>
+                      </a:pPr>
+                      <a:r>
+                        <a:rPr sz="2500">
                           <a:uFill>
                             <a:solidFill>
                               <a:srgbClr val="000000"/>
@@ -4997,9 +5022,7 @@
                           <a:ea typeface="Calibri"/>
                           <a:cs typeface="Calibri"/>
                           <a:sym typeface="Calibri"/>
-                        </a:defRPr>
-                      </a:pPr>
-                      <a:r>
+                        </a:rPr>
                         <a:t>Why?</a:t>
                       </a:r>
                     </a:p>
@@ -5042,7 +5065,10 @@
                     <a:lstStyle/>
                     <a:p>
                       <a:pPr algn="l" defTabSz="457200">
-                        <a:defRPr sz="2500">
+                        <a:defRPr sz="1800"/>
+                      </a:pPr>
+                      <a:r>
+                        <a:rPr sz="2500">
                           <a:uFill>
                             <a:solidFill>
                               <a:srgbClr val="000000"/>
@@ -5052,9 +5078,7 @@
                           <a:ea typeface="Calibri"/>
                           <a:cs typeface="Calibri"/>
                           <a:sym typeface="Calibri"/>
-                        </a:defRPr>
-                      </a:pPr>
-                      <a:r>
+                        </a:rPr>
                         <a:t>Update website design</a:t>
                       </a:r>
                     </a:p>
@@ -5093,7 +5117,10 @@
                     <a:lstStyle/>
                     <a:p>
                       <a:pPr algn="l" defTabSz="457200">
-                        <a:defRPr sz="2500">
+                        <a:defRPr sz="1800"/>
+                      </a:pPr>
+                      <a:r>
+                        <a:rPr sz="2500">
                           <a:uFill>
                             <a:solidFill>
                               <a:srgbClr val="000000"/>
@@ -5103,9 +5130,7 @@
                           <a:ea typeface="Calibri"/>
                           <a:cs typeface="Calibri"/>
                           <a:sym typeface="Calibri"/>
-                        </a:defRPr>
-                      </a:pPr>
-                      <a:r>
+                        </a:rPr>
                         <a:t>Yes, or no?</a:t>
                       </a:r>
                     </a:p>
@@ -5144,7 +5169,10 @@
                     <a:lstStyle/>
                     <a:p>
                       <a:pPr algn="l" defTabSz="457200">
-                        <a:defRPr sz="2500">
+                        <a:defRPr sz="1800"/>
+                      </a:pPr>
+                      <a:r>
+                        <a:rPr sz="2500">
                           <a:uFill>
                             <a:solidFill>
                               <a:srgbClr val="000000"/>
@@ -5154,9 +5182,7 @@
                           <a:ea typeface="Calibri"/>
                           <a:cs typeface="Calibri"/>
                           <a:sym typeface="Calibri"/>
-                        </a:defRPr>
-                      </a:pPr>
-                      <a:r>
+                        </a:rPr>
                         <a:t>This does not require a test because you can easily identify if the website has been updated.</a:t>
                       </a:r>
                     </a:p>
@@ -5197,7 +5223,10 @@
                     <a:lstStyle/>
                     <a:p>
                       <a:pPr algn="l" defTabSz="457200">
-                        <a:defRPr sz="2500">
+                        <a:defRPr sz="1800"/>
+                      </a:pPr>
+                      <a:r>
+                        <a:rPr sz="2500">
                           <a:uFill>
                             <a:solidFill>
                               <a:srgbClr val="000000"/>
@@ -5207,9 +5236,7 @@
                           <a:ea typeface="Calibri"/>
                           <a:cs typeface="Calibri"/>
                           <a:sym typeface="Calibri"/>
-                        </a:defRPr>
-                      </a:pPr>
-                      <a:r>
+                        </a:rPr>
                         <a:t>Include company TypeFace and Colour Scheme</a:t>
                       </a:r>
                     </a:p>
@@ -5248,7 +5275,10 @@
                     <a:lstStyle/>
                     <a:p>
                       <a:pPr algn="l" defTabSz="457200">
-                        <a:defRPr sz="2500">
+                        <a:defRPr sz="1800"/>
+                      </a:pPr>
+                      <a:r>
+                        <a:rPr sz="2500">
                           <a:uFill>
                             <a:solidFill>
                               <a:srgbClr val="000000"/>
@@ -5258,9 +5288,7 @@
                           <a:ea typeface="Calibri"/>
                           <a:cs typeface="Calibri"/>
                           <a:sym typeface="Calibri"/>
-                        </a:defRPr>
-                      </a:pPr>
-                      <a:r>
+                        </a:rPr>
                         <a:t>Yes, or no?</a:t>
                       </a:r>
                     </a:p>
@@ -5299,7 +5327,10 @@
                     <a:lstStyle/>
                     <a:p>
                       <a:pPr algn="l" defTabSz="457200">
-                        <a:defRPr sz="2500">
+                        <a:defRPr sz="1800"/>
+                      </a:pPr>
+                      <a:r>
+                        <a:rPr sz="2500">
                           <a:uFill>
                             <a:solidFill>
                               <a:srgbClr val="000000"/>
@@ -5309,9 +5340,7 @@
                           <a:ea typeface="Calibri"/>
                           <a:cs typeface="Calibri"/>
                           <a:sym typeface="Calibri"/>
-                        </a:defRPr>
-                      </a:pPr>
-                      <a:r>
+                        </a:rPr>
                         <a:t>This does not require a test because you can see if we have implemented the FaceType and Colour Scheme to the website</a:t>
                       </a:r>
                     </a:p>
@@ -5352,7 +5381,10 @@
                     <a:lstStyle/>
                     <a:p>
                       <a:pPr algn="l" defTabSz="457200">
-                        <a:defRPr sz="2500">
+                        <a:defRPr sz="1800"/>
+                      </a:pPr>
+                      <a:r>
+                        <a:rPr sz="2500">
                           <a:uFill>
                             <a:solidFill>
                               <a:srgbClr val="000000"/>
@@ -5362,9 +5394,7 @@
                           <a:ea typeface="Calibri"/>
                           <a:cs typeface="Calibri"/>
                           <a:sym typeface="Calibri"/>
-                        </a:defRPr>
-                      </a:pPr>
-                      <a:r>
+                        </a:rPr>
                         <a:t>Simplify user experience</a:t>
                       </a:r>
                     </a:p>
@@ -5403,7 +5433,10 @@
                     <a:lstStyle/>
                     <a:p>
                       <a:pPr algn="l" defTabSz="457200">
-                        <a:defRPr sz="2500">
+                        <a:defRPr sz="1800"/>
+                      </a:pPr>
+                      <a:r>
+                        <a:rPr sz="2500">
                           <a:uFill>
                             <a:solidFill>
                               <a:srgbClr val="000000"/>
@@ -5413,9 +5446,7 @@
                           <a:ea typeface="Calibri"/>
                           <a:cs typeface="Calibri"/>
                           <a:sym typeface="Calibri"/>
-                        </a:defRPr>
-                      </a:pPr>
-                      <a:r>
+                        </a:rPr>
                         <a:t>We will create a survey and ask current customers to take the survey and answer it, this survey will have questions about if the user experience has become simpler.</a:t>
                       </a:r>
                     </a:p>
@@ -5454,7 +5485,10 @@
                     <a:lstStyle/>
                     <a:p>
                       <a:pPr algn="l" defTabSz="457200">
-                        <a:defRPr sz="2500">
+                        <a:defRPr sz="1800"/>
+                      </a:pPr>
+                      <a:r>
+                        <a:rPr sz="2500">
                           <a:uFill>
                             <a:solidFill>
                               <a:srgbClr val="000000"/>
@@ -5464,9 +5498,7 @@
                           <a:ea typeface="Calibri"/>
                           <a:cs typeface="Calibri"/>
                           <a:sym typeface="Calibri"/>
-                        </a:defRPr>
-                      </a:pPr>
-                      <a:r>
+                        </a:rPr>
                         <a:t>We have chosen to test it with a survey because it allows us to get feedback from current customers.</a:t>
                       </a:r>
                     </a:p>
@@ -5507,7 +5539,10 @@
                     <a:lstStyle/>
                     <a:p>
                       <a:pPr algn="l" defTabSz="457200">
-                        <a:defRPr sz="2500">
+                        <a:defRPr sz="1800"/>
+                      </a:pPr>
+                      <a:r>
+                        <a:rPr sz="2500">
                           <a:uFill>
                             <a:solidFill>
                               <a:srgbClr val="000000"/>
@@ -5517,9 +5552,7 @@
                           <a:ea typeface="Calibri"/>
                           <a:cs typeface="Calibri"/>
                           <a:sym typeface="Calibri"/>
-                        </a:defRPr>
-                      </a:pPr>
-                      <a:r>
+                        </a:rPr>
                         <a:t>Improve user experience</a:t>
                       </a:r>
                     </a:p>
@@ -5558,7 +5591,10 @@
                     <a:lstStyle/>
                     <a:p>
                       <a:pPr algn="l" defTabSz="457200">
-                        <a:defRPr sz="2500">
+                        <a:defRPr sz="1800"/>
+                      </a:pPr>
+                      <a:r>
+                        <a:rPr sz="2500">
                           <a:uFill>
                             <a:solidFill>
                               <a:srgbClr val="000000"/>
@@ -5568,9 +5604,7 @@
                           <a:ea typeface="Calibri"/>
                           <a:cs typeface="Calibri"/>
                           <a:sym typeface="Calibri"/>
-                        </a:defRPr>
-                      </a:pPr>
-                      <a:r>
+                        </a:rPr>
                         <a:t>We will create a survey and ask current customers to take the survey and answer it, this survey will have questions about if the user experience has been improved.</a:t>
                       </a:r>
                     </a:p>
@@ -5609,7 +5643,10 @@
                     <a:lstStyle/>
                     <a:p>
                       <a:pPr algn="l" defTabSz="457200">
-                        <a:defRPr sz="2500">
+                        <a:defRPr sz="1800"/>
+                      </a:pPr>
+                      <a:r>
+                        <a:rPr sz="2500">
                           <a:uFill>
                             <a:solidFill>
                               <a:srgbClr val="000000"/>
@@ -5619,9 +5656,7 @@
                           <a:ea typeface="Calibri"/>
                           <a:cs typeface="Calibri"/>
                           <a:sym typeface="Calibri"/>
-                        </a:defRPr>
-                      </a:pPr>
-                      <a:r>
+                        </a:rPr>
                         <a:t>We have chosen to test it with a survey because it allows us to get feedback from current customers.</a:t>
                       </a:r>
                     </a:p>
@@ -5662,7 +5697,10 @@
                     <a:lstStyle/>
                     <a:p>
                       <a:pPr algn="l" defTabSz="457200">
-                        <a:defRPr sz="2500">
+                        <a:defRPr sz="1800"/>
+                      </a:pPr>
+                      <a:r>
+                        <a:rPr sz="2500">
                           <a:uFill>
                             <a:solidFill>
                               <a:srgbClr val="000000"/>
@@ -5672,9 +5710,7 @@
                           <a:ea typeface="Calibri"/>
                           <a:cs typeface="Calibri"/>
                           <a:sym typeface="Calibri"/>
-                        </a:defRPr>
-                      </a:pPr>
-                      <a:r>
+                        </a:rPr>
                         <a:t>Food ordering system</a:t>
                       </a:r>
                     </a:p>
@@ -5713,7 +5749,10 @@
                     <a:lstStyle/>
                     <a:p>
                       <a:pPr algn="l" defTabSz="457200">
-                        <a:defRPr sz="2500">
+                        <a:defRPr sz="1800"/>
+                      </a:pPr>
+                      <a:r>
+                        <a:rPr sz="2500">
                           <a:uFill>
                             <a:solidFill>
                               <a:srgbClr val="000000"/>
@@ -5723,9 +5762,7 @@
                           <a:ea typeface="Calibri"/>
                           <a:cs typeface="Calibri"/>
                           <a:sym typeface="Calibri"/>
-                        </a:defRPr>
-                      </a:pPr>
-                      <a:r>
+                        </a:rPr>
                         <a:t>We will test this by making test orders and test every product to make sure they can be purchased using the ordering system.</a:t>
                       </a:r>
                     </a:p>
@@ -5764,7 +5801,10 @@
                     <a:lstStyle/>
                     <a:p>
                       <a:pPr algn="l" defTabSz="457200">
-                        <a:defRPr sz="2500">
+                        <a:defRPr sz="1800"/>
+                      </a:pPr>
+                      <a:r>
+                        <a:rPr sz="2500">
                           <a:uFill>
                             <a:solidFill>
                               <a:srgbClr val="000000"/>
@@ -5774,9 +5814,7 @@
                           <a:ea typeface="Calibri"/>
                           <a:cs typeface="Calibri"/>
                           <a:sym typeface="Calibri"/>
-                        </a:defRPr>
-                      </a:pPr>
-                      <a:r>
+                        </a:rPr>
                         <a:t>We have chosen this method because it is simple and can be done during the development process.</a:t>
                       </a:r>
                     </a:p>
@@ -5855,7 +5893,11 @@
         </p:spPr>
         <p:txBody>
           <a:bodyPr/>
-          <a:lstStyle/>
+          <a:lstStyle>
+            <a:lvl1pPr>
+              <a:defRPr spc="-100"/>
+            </a:lvl1pPr>
+          </a:lstStyle>
           <a:p>
             <a:pPr/>
             <a:r>
@@ -5869,22 +5911,38 @@
           <p:cNvPr id="206" name="Slide Subtitle"/>
           <p:cNvSpPr txBox="1"/>
           <p:nvPr>
-            <p:ph type="body" idx="21"/>
+            <p:ph type="body" sz="quarter" idx="1"/>
           </p:nvPr>
         </p:nvSpPr>
         <p:spPr>
+          <a:xfrm>
+            <a:off x="1219200" y="2384648"/>
+            <a:ext cx="21945602" cy="832617"/>
+          </a:xfrm>
           <a:prstGeom prst="rect">
             <a:avLst/>
           </a:prstGeom>
-          <a:extLst>
-            <a:ext uri="{C572A759-6A51-4108-AA02-DFA0A04FC94B}">
-              <ma14:wrappingTextBoxFlag xmlns:ma14="http://schemas.microsoft.com/office/mac/drawingml/2011/main" val="1"/>
-            </a:ext>
-          </a:extLst>
         </p:spPr>
         <p:txBody>
           <a:bodyPr/>
-          <a:lstStyle/>
+          <a:lstStyle>
+            <a:lvl1pPr marL="0" indent="0" algn="ctr" defTabSz="825500">
+              <a:lnSpc>
+                <a:spcPct val="100000"/>
+              </a:lnSpc>
+              <a:spcBef>
+                <a:spcPts val="0"/>
+              </a:spcBef>
+              <a:buSzTx/>
+              <a:buNone/>
+              <a:defRPr spc="-100">
+                <a:latin typeface="Graphik Semibold"/>
+                <a:ea typeface="Graphik Semibold"/>
+                <a:cs typeface="Graphik Semibold"/>
+                <a:sym typeface="Graphik Semibold"/>
+              </a:defRPr>
+            </a:lvl1pPr>
+          </a:lstStyle>
           <a:p>
             <a:pPr/>
             <a:r>
@@ -5900,8 +5958,8 @@
           <p:nvPr/>
         </p:nvGraphicFramePr>
         <p:xfrm>
-          <a:off x="4398253" y="3137486"/>
-          <a:ext cx="15593844" cy="10008318"/>
+          <a:off x="4398252" y="3137486"/>
+          <a:ext cx="15587494" cy="10001968"/>
         </p:xfrm>
         <a:graphic xmlns:a="http://schemas.openxmlformats.org/drawingml/2006/main">
           <a:graphicData uri="http://schemas.openxmlformats.org/drawingml/2006/table">
@@ -5921,7 +5979,10 @@
                     <a:lstStyle/>
                     <a:p>
                       <a:pPr algn="l" defTabSz="457200">
-                        <a:defRPr sz="2500">
+                        <a:defRPr sz="1800"/>
+                      </a:pPr>
+                      <a:r>
+                        <a:rPr sz="2500">
                           <a:uFill>
                             <a:solidFill>
                               <a:srgbClr val="000000"/>
@@ -5931,9 +5992,7 @@
                           <a:ea typeface="Calibri"/>
                           <a:cs typeface="Calibri"/>
                           <a:sym typeface="Calibri"/>
-                        </a:defRPr>
-                      </a:pPr>
-                      <a:r>
+                        </a:rPr>
                         <a:t>Store customer details</a:t>
                       </a:r>
                     </a:p>
@@ -5972,7 +6031,10 @@
                     <a:lstStyle/>
                     <a:p>
                       <a:pPr algn="l" defTabSz="457200">
-                        <a:defRPr sz="2500">
+                        <a:defRPr sz="1800"/>
+                      </a:pPr>
+                      <a:r>
+                        <a:rPr sz="2500">
                           <a:uFill>
                             <a:solidFill>
                               <a:srgbClr val="000000"/>
@@ -5982,9 +6044,7 @@
                           <a:ea typeface="Calibri"/>
                           <a:cs typeface="Calibri"/>
                           <a:sym typeface="Calibri"/>
-                        </a:defRPr>
-                      </a:pPr>
-                      <a:r>
+                        </a:rPr>
                         <a:t>We will test this by adding fake customer information such as email, name, etc and see if it works.</a:t>
                       </a:r>
                     </a:p>
@@ -6023,7 +6083,10 @@
                     <a:lstStyle/>
                     <a:p>
                       <a:pPr algn="l" defTabSz="457200">
-                        <a:defRPr sz="2500">
+                        <a:defRPr sz="1800"/>
+                      </a:pPr>
+                      <a:r>
+                        <a:rPr sz="2500">
                           <a:uFill>
                             <a:solidFill>
                               <a:srgbClr val="000000"/>
@@ -6033,9 +6096,7 @@
                           <a:ea typeface="Calibri"/>
                           <a:cs typeface="Calibri"/>
                           <a:sym typeface="Calibri"/>
-                        </a:defRPr>
-                      </a:pPr>
-                      <a:r>
+                        </a:rPr>
                         <a:t>This method has been chosen because it can be done during the development phase.</a:t>
                       </a:r>
                     </a:p>
@@ -6076,7 +6137,10 @@
                     <a:lstStyle/>
                     <a:p>
                       <a:pPr algn="l" defTabSz="457200">
-                        <a:defRPr sz="2500">
+                        <a:defRPr sz="1800"/>
+                      </a:pPr>
+                      <a:r>
+                        <a:rPr sz="2500">
                           <a:uFill>
                             <a:solidFill>
                               <a:srgbClr val="000000"/>
@@ -6086,9 +6150,7 @@
                           <a:ea typeface="Calibri"/>
                           <a:cs typeface="Calibri"/>
                           <a:sym typeface="Calibri"/>
-                        </a:defRPr>
-                      </a:pPr>
-                      <a:r>
+                        </a:rPr>
                         <a:t>Users can create accounts</a:t>
                       </a:r>
                     </a:p>
@@ -6127,7 +6189,10 @@
                     <a:lstStyle/>
                     <a:p>
                       <a:pPr algn="l" defTabSz="457200">
-                        <a:defRPr sz="2500">
+                        <a:defRPr sz="1800"/>
+                      </a:pPr>
+                      <a:r>
+                        <a:rPr sz="2500">
                           <a:uFill>
                             <a:solidFill>
                               <a:srgbClr val="000000"/>
@@ -6137,9 +6202,7 @@
                           <a:ea typeface="Calibri"/>
                           <a:cs typeface="Calibri"/>
                           <a:sym typeface="Calibri"/>
-                        </a:defRPr>
-                      </a:pPr>
-                      <a:r>
+                        </a:rPr>
                         <a:t>We will test this by adding fake customer information to make a fake account.</a:t>
                       </a:r>
                     </a:p>
@@ -6178,7 +6241,10 @@
                     <a:lstStyle/>
                     <a:p>
                       <a:pPr algn="l" defTabSz="457200">
-                        <a:defRPr sz="2500">
+                        <a:defRPr sz="1800"/>
+                      </a:pPr>
+                      <a:r>
+                        <a:rPr sz="2500">
                           <a:uFill>
                             <a:solidFill>
                               <a:srgbClr val="000000"/>
@@ -6188,9 +6254,7 @@
                           <a:ea typeface="Calibri"/>
                           <a:cs typeface="Calibri"/>
                           <a:sym typeface="Calibri"/>
-                        </a:defRPr>
-                      </a:pPr>
-                      <a:r>
+                        </a:rPr>
                         <a:t>This method has been chosen because it can be done during the development phase.</a:t>
                       </a:r>
                     </a:p>
@@ -6231,7 +6295,10 @@
                     <a:lstStyle/>
                     <a:p>
                       <a:pPr algn="l" defTabSz="457200">
-                        <a:defRPr sz="2500">
+                        <a:defRPr sz="1800"/>
+                      </a:pPr>
+                      <a:r>
+                        <a:rPr sz="2500">
                           <a:uFill>
                             <a:solidFill>
                               <a:srgbClr val="000000"/>
@@ -6241,9 +6308,7 @@
                           <a:ea typeface="Calibri"/>
                           <a:cs typeface="Calibri"/>
                           <a:sym typeface="Calibri"/>
-                        </a:defRPr>
-                      </a:pPr>
-                      <a:r>
+                        </a:rPr>
                         <a:t>Users can view previous orders</a:t>
                       </a:r>
                     </a:p>
@@ -6282,7 +6347,10 @@
                     <a:lstStyle/>
                     <a:p>
                       <a:pPr algn="l" defTabSz="457200">
-                        <a:defRPr sz="2500">
+                        <a:defRPr sz="1800"/>
+                      </a:pPr>
+                      <a:r>
+                        <a:rPr sz="2500">
                           <a:uFill>
                             <a:solidFill>
                               <a:srgbClr val="000000"/>
@@ -6292,9 +6360,7 @@
                           <a:ea typeface="Calibri"/>
                           <a:cs typeface="Calibri"/>
                           <a:sym typeface="Calibri"/>
-                        </a:defRPr>
-                      </a:pPr>
-                      <a:r>
+                        </a:rPr>
                         <a:t>We will test this by making an account and make fake purchases to see if they appear on the previous orders section.</a:t>
                       </a:r>
                     </a:p>
@@ -6333,7 +6399,10 @@
                     <a:lstStyle/>
                     <a:p>
                       <a:pPr algn="l" defTabSz="457200">
-                        <a:defRPr sz="2500">
+                        <a:defRPr sz="1800"/>
+                      </a:pPr>
+                      <a:r>
+                        <a:rPr sz="2500">
                           <a:uFill>
                             <a:solidFill>
                               <a:srgbClr val="000000"/>
@@ -6343,9 +6412,7 @@
                           <a:ea typeface="Calibri"/>
                           <a:cs typeface="Calibri"/>
                           <a:sym typeface="Calibri"/>
-                        </a:defRPr>
-                      </a:pPr>
-                      <a:r>
+                        </a:rPr>
                         <a:t>This will be tested this way because it can be done quickly and will show if this works or not.</a:t>
                       </a:r>
                     </a:p>
@@ -6386,7 +6453,10 @@
                     <a:lstStyle/>
                     <a:p>
                       <a:pPr algn="l" defTabSz="457200">
-                        <a:defRPr sz="2500">
+                        <a:defRPr sz="1800"/>
+                      </a:pPr>
+                      <a:r>
+                        <a:rPr sz="2500">
                           <a:uFill>
                             <a:solidFill>
                               <a:srgbClr val="000000"/>
@@ -6396,9 +6466,7 @@
                           <a:ea typeface="Calibri"/>
                           <a:cs typeface="Calibri"/>
                           <a:sym typeface="Calibri"/>
-                        </a:defRPr>
-                      </a:pPr>
-                      <a:r>
+                        </a:rPr>
                         <a:t>Website usable on computer and mobile phone</a:t>
                       </a:r>
                     </a:p>
@@ -6437,7 +6505,10 @@
                     <a:lstStyle/>
                     <a:p>
                       <a:pPr algn="l" defTabSz="457200">
-                        <a:defRPr sz="2500">
+                        <a:defRPr sz="1800"/>
+                      </a:pPr>
+                      <a:r>
+                        <a:rPr sz="2500">
                           <a:uFill>
                             <a:solidFill>
                               <a:srgbClr val="000000"/>
@@ -6447,9 +6518,7 @@
                           <a:ea typeface="Calibri"/>
                           <a:cs typeface="Calibri"/>
                           <a:sym typeface="Calibri"/>
-                        </a:defRPr>
-                      </a:pPr>
-                      <a:r>
+                        </a:rPr>
                         <a:t>We will test this by accessing the website on computer using multiple browsers and do the same but on mobile</a:t>
                       </a:r>
                     </a:p>
@@ -6488,7 +6557,10 @@
                     <a:lstStyle/>
                     <a:p>
                       <a:pPr algn="l" defTabSz="457200">
-                        <a:defRPr sz="2500">
+                        <a:defRPr sz="1800"/>
+                      </a:pPr>
+                      <a:r>
+                        <a:rPr sz="2500">
                           <a:uFill>
                             <a:solidFill>
                               <a:srgbClr val="000000"/>
@@ -6498,9 +6570,7 @@
                           <a:ea typeface="Calibri"/>
                           <a:cs typeface="Calibri"/>
                           <a:sym typeface="Calibri"/>
-                        </a:defRPr>
-                      </a:pPr>
-                      <a:r>
+                        </a:rPr>
                         <a:t>We chose this method of testing because it will allow us to see if it works or not.</a:t>
                       </a:r>
                     </a:p>
@@ -6541,7 +6611,10 @@
                     <a:lstStyle/>
                     <a:p>
                       <a:pPr algn="l" defTabSz="457200">
-                        <a:defRPr sz="2500">
+                        <a:defRPr sz="1800"/>
+                      </a:pPr>
+                      <a:r>
+                        <a:rPr sz="2500">
                           <a:uFill>
                             <a:solidFill>
                               <a:srgbClr val="000000"/>
@@ -6551,9 +6624,7 @@
                           <a:ea typeface="Calibri"/>
                           <a:cs typeface="Calibri"/>
                           <a:sym typeface="Calibri"/>
-                        </a:defRPr>
-                      </a:pPr>
-                      <a:r>
+                        </a:rPr>
                         <a:t>Allow online payment methods</a:t>
                       </a:r>
                     </a:p>
@@ -6592,7 +6663,10 @@
                     <a:lstStyle/>
                     <a:p>
                       <a:pPr algn="l" defTabSz="457200">
-                        <a:defRPr sz="2500">
+                        <a:defRPr sz="1800"/>
+                      </a:pPr>
+                      <a:r>
+                        <a:rPr sz="2500">
                           <a:uFill>
                             <a:solidFill>
                               <a:srgbClr val="000000"/>
@@ -6602,9 +6676,7 @@
                           <a:ea typeface="Calibri"/>
                           <a:cs typeface="Calibri"/>
                           <a:sym typeface="Calibri"/>
-                        </a:defRPr>
-                      </a:pPr>
-                      <a:r>
+                        </a:rPr>
                         <a:t>We will make a purchase using all the online methods the website will have.</a:t>
                       </a:r>
                     </a:p>
@@ -6643,7 +6715,10 @@
                     <a:lstStyle/>
                     <a:p>
                       <a:pPr algn="l" defTabSz="457200">
-                        <a:defRPr sz="2500">
+                        <a:defRPr sz="1800"/>
+                      </a:pPr>
+                      <a:r>
+                        <a:rPr sz="2500">
                           <a:uFill>
                             <a:solidFill>
                               <a:srgbClr val="000000"/>
@@ -6653,9 +6728,7 @@
                           <a:ea typeface="Calibri"/>
                           <a:cs typeface="Calibri"/>
                           <a:sym typeface="Calibri"/>
-                        </a:defRPr>
-                      </a:pPr>
-                      <a:r>
+                        </a:rPr>
                         <a:t>We chose this method of testing because it lets us see if the purchase has been made and if the payment has been processed and how long it takes to process.</a:t>
                       </a:r>
                     </a:p>
@@ -6811,8 +6884,8 @@
         </p:nvSpPr>
         <p:spPr>
           <a:xfrm>
-            <a:off x="1219199" y="4013200"/>
-            <a:ext cx="21948578" cy="8483600"/>
+            <a:off x="1219198" y="4013200"/>
+            <a:ext cx="21948580" cy="8483600"/>
           </a:xfrm>
           <a:prstGeom prst="rect">
             <a:avLst/>
@@ -6940,8 +7013,8 @@
         </p:nvSpPr>
         <p:spPr>
           <a:xfrm>
-            <a:off x="1219199" y="4013200"/>
-            <a:ext cx="21948578" cy="8483600"/>
+            <a:off x="1219198" y="4013200"/>
+            <a:ext cx="21948580" cy="8483600"/>
           </a:xfrm>
           <a:prstGeom prst="rect">
             <a:avLst/>
@@ -7202,8 +7275,8 @@
         </p:nvSpPr>
         <p:spPr>
           <a:xfrm>
-            <a:off x="1219199" y="4013200"/>
-            <a:ext cx="21948578" cy="8483600"/>
+            <a:off x="1219198" y="4013200"/>
+            <a:ext cx="21948580" cy="8483600"/>
           </a:xfrm>
           <a:prstGeom prst="rect">
             <a:avLst/>
@@ -7331,8 +7404,8 @@
         </p:nvSpPr>
         <p:spPr>
           <a:xfrm>
-            <a:off x="1219199" y="4013200"/>
-            <a:ext cx="21948578" cy="8483600"/>
+            <a:off x="1219198" y="4013200"/>
+            <a:ext cx="21948580" cy="8483600"/>
           </a:xfrm>
           <a:prstGeom prst="rect">
             <a:avLst/>
@@ -7844,7 +7917,7 @@
               <a:defRPr sz="3900"/>
             </a:pPr>
             <a:r>
-              <a:t>Precept of purchase</a:t>
+              <a:t>Receipt of purchase</a:t>
             </a:r>
           </a:p>
           <a:p>
@@ -8124,7 +8197,7 @@
           <a:p>
             <a:pPr/>
             <a:r>
-              <a:t>Amending meu items</a:t>
+              <a:t>Amending menu items</a:t>
             </a:r>
           </a:p>
           <a:p>
@@ -8174,7 +8247,7 @@
 </file>
 
 <file path=ppt/slides/slide9.xml><?xml version="1.0" encoding="utf-8"?>
-<p:sld xmlns:a="http://schemas.openxmlformats.org/drawingml/2006/main" xmlns:r="http://schemas.openxmlformats.org/officeDocument/2006/relationships" xmlns:p="http://schemas.openxmlformats.org/presentationml/2006/main" xmlns:m="http://schemas.openxmlformats.org/officeDocument/2006/math" xmlns:a14="http://schemas.microsoft.com/office/drawing/2010/main" showMasterSp="1" showMasterPhAnim="1">
+<p:sld xmlns:a="http://schemas.openxmlformats.org/drawingml/2006/main" xmlns:r="http://schemas.openxmlformats.org/officeDocument/2006/relationships" xmlns:p="http://schemas.openxmlformats.org/presentationml/2006/main" xmlns:m="http://schemas.openxmlformats.org/officeDocument/2006/math" xmlns:a14="http://schemas.microsoft.com/office/drawing/2010/main" show="0" showMasterSp="1" showMasterPhAnim="1">
   <p:cSld>
     <p:spTree>
       <p:nvGrpSpPr>
@@ -8431,14 +8504,14 @@
     </a:clrScheme>
     <a:fontScheme name="23_ClassicWhite">
       <a:majorFont>
+        <a:latin typeface="Helvetica Neue"/>
+        <a:ea typeface="Helvetica Neue"/>
+        <a:cs typeface="Helvetica Neue"/>
+      </a:majorFont>
+      <a:minorFont>
         <a:latin typeface="Helvetica"/>
         <a:ea typeface="Helvetica"/>
         <a:cs typeface="Helvetica"/>
-      </a:majorFont>
-      <a:minorFont>
-        <a:latin typeface="Helvetica Neue"/>
-        <a:ea typeface="Helvetica Neue"/>
-        <a:cs typeface="Helvetica Neue"/>
       </a:minorFont>
     </a:fontScheme>
     <a:fmtScheme name="23_ClassicWhite">
@@ -8619,9 +8692,9 @@
             </a:solidFill>
             <a:effectLst/>
             <a:uFillTx/>
-            <a:latin typeface="+mn-lt"/>
-            <a:ea typeface="+mn-ea"/>
-            <a:cs typeface="+mn-cs"/>
+            <a:latin typeface="+mj-lt"/>
+            <a:ea typeface="+mj-ea"/>
+            <a:cs typeface="+mj-cs"/>
             <a:sym typeface="Helvetica Neue"/>
           </a:defRPr>
         </a:defPPr>
@@ -9190,9 +9263,9 @@
             </a:solidFill>
             <a:effectLst/>
             <a:uFillTx/>
-            <a:latin typeface="+mn-lt"/>
-            <a:ea typeface="+mn-ea"/>
-            <a:cs typeface="+mn-cs"/>
+            <a:latin typeface="+mj-lt"/>
+            <a:ea typeface="+mj-ea"/>
+            <a:cs typeface="+mj-cs"/>
             <a:sym typeface="Helvetica Neue"/>
           </a:defRPr>
         </a:defPPr>
@@ -9485,14 +9558,14 @@
     </a:clrScheme>
     <a:fontScheme name="23_ClassicWhite">
       <a:majorFont>
+        <a:latin typeface="Helvetica Neue"/>
+        <a:ea typeface="Helvetica Neue"/>
+        <a:cs typeface="Helvetica Neue"/>
+      </a:majorFont>
+      <a:minorFont>
         <a:latin typeface="Helvetica"/>
         <a:ea typeface="Helvetica"/>
         <a:cs typeface="Helvetica"/>
-      </a:majorFont>
-      <a:minorFont>
-        <a:latin typeface="Helvetica Neue"/>
-        <a:ea typeface="Helvetica Neue"/>
-        <a:cs typeface="Helvetica Neue"/>
       </a:minorFont>
     </a:fontScheme>
     <a:fmtScheme name="23_ClassicWhite">
@@ -9673,9 +9746,9 @@
             </a:solidFill>
             <a:effectLst/>
             <a:uFillTx/>
-            <a:latin typeface="+mn-lt"/>
-            <a:ea typeface="+mn-ea"/>
-            <a:cs typeface="+mn-cs"/>
+            <a:latin typeface="+mj-lt"/>
+            <a:ea typeface="+mj-ea"/>
+            <a:cs typeface="+mj-cs"/>
             <a:sym typeface="Helvetica Neue"/>
           </a:defRPr>
         </a:defPPr>
@@ -10244,9 +10317,9 @@
             </a:solidFill>
             <a:effectLst/>
             <a:uFillTx/>
-            <a:latin typeface="+mn-lt"/>
-            <a:ea typeface="+mn-ea"/>
-            <a:cs typeface="+mn-cs"/>
+            <a:latin typeface="+mj-lt"/>
+            <a:ea typeface="+mj-ea"/>
+            <a:cs typeface="+mj-cs"/>
             <a:sym typeface="Helvetica Neue"/>
           </a:defRPr>
         </a:defPPr>
